--- a/2019/9月/05-09-2019.pptx
+++ b/2019/9月/05-09-2019.pptx
@@ -13,7 +13,6 @@
     <p:sldId id="261" r:id="rId7"/>
     <p:sldId id="262" r:id="rId8"/>
     <p:sldId id="263" r:id="rId9"/>
-    <p:sldId id="264" r:id="rId10"/>
   </p:sldIdLst>
   <p:sldSz cx="12192000" cy="6858000"/>
   <p:notesSz cx="6858000" cy="9144000"/>
@@ -112,6 +111,11 @@
       </a:defRPr>
     </a:lvl9pPr>
   </p:defaultTextStyle>
+  <p:extLst>
+    <p:ext uri="{EFAFB233-063F-42B5-8137-9DF3F51BA10A}">
+      <p15:sldGuideLst xmlns:p15="http://schemas.microsoft.com/office/powerpoint/2012/main"/>
+    </p:ext>
+  </p:extLst>
 </p:presentation>
 </file>
 
@@ -3175,17 +3179,7 @@
                 <a:latin typeface="微軟正黑體" pitchFamily="34" charset="-120"/>
                 <a:ea typeface="微軟正黑體" pitchFamily="34" charset="-120"/>
               </a:rPr>
-              <a:t>天天歌唱頌讚神慈</a:t>
-            </a:r>
-            <a:r>
-              <a:rPr lang="zh-TW" altLang="en-US" sz="5400" b="1" dirty="0">
-                <a:solidFill>
-                  <a:srgbClr val="000066"/>
-                </a:solidFill>
-                <a:latin typeface="微軟正黑體" pitchFamily="34" charset="-120"/>
-                <a:ea typeface="微軟正黑體" pitchFamily="34" charset="-120"/>
-              </a:rPr>
-              <a:t>恩</a:t>
+              <a:t>天天歌唱頌讚神慈恩</a:t>
             </a:r>
             <a:endParaRPr lang="en-US" altLang="zh-TW" sz="5400" b="1" dirty="0">
               <a:solidFill>
@@ -3207,27 +3201,7 @@
                 <a:latin typeface="微軟正黑體" pitchFamily="34" charset="-120"/>
                 <a:ea typeface="微軟正黑體" pitchFamily="34" charset="-120"/>
               </a:rPr>
-              <a:t>讚嘆</a:t>
-            </a:r>
-            <a:r>
-              <a:rPr lang="zh-TW" altLang="en-US" sz="5400" b="1" dirty="0">
-                <a:solidFill>
-                  <a:srgbClr val="000066"/>
-                </a:solidFill>
-                <a:latin typeface="微軟正黑體" pitchFamily="34" charset="-120"/>
-                <a:ea typeface="微軟正黑體" pitchFamily="34" charset="-120"/>
-              </a:rPr>
-              <a:t>宇宙萬千的奧</a:t>
-            </a:r>
-            <a:r>
-              <a:rPr lang="zh-TW" altLang="en-US" sz="5400" b="1" dirty="0">
-                <a:solidFill>
-                  <a:srgbClr val="000066"/>
-                </a:solidFill>
-                <a:latin typeface="微軟正黑體" pitchFamily="34" charset="-120"/>
-                <a:ea typeface="微軟正黑體" pitchFamily="34" charset="-120"/>
-              </a:rPr>
-              <a:t>祕</a:t>
+              <a:t>讚嘆宇宙萬千的奧祕</a:t>
             </a:r>
             <a:endParaRPr lang="en-US" altLang="zh-TW" sz="5400" b="1" dirty="0">
               <a:solidFill>
@@ -3249,27 +3223,7 @@
                 <a:latin typeface="微軟正黑體" pitchFamily="34" charset="-120"/>
                 <a:ea typeface="微軟正黑體" pitchFamily="34" charset="-120"/>
               </a:rPr>
-              <a:t>多</a:t>
-            </a:r>
-            <a:r>
-              <a:rPr lang="zh-TW" altLang="en-US" sz="5400" b="1" dirty="0">
-                <a:solidFill>
-                  <a:srgbClr val="000066"/>
-                </a:solidFill>
-                <a:latin typeface="微軟正黑體" pitchFamily="34" charset="-120"/>
-                <a:ea typeface="微軟正黑體" pitchFamily="34" charset="-120"/>
-              </a:rPr>
-              <a:t>高深星宿運行</a:t>
-            </a:r>
-            <a:r>
-              <a:rPr lang="zh-TW" altLang="en-US" sz="5400" b="1" dirty="0">
-                <a:solidFill>
-                  <a:srgbClr val="000066"/>
-                </a:solidFill>
-                <a:latin typeface="微軟正黑體" pitchFamily="34" charset="-120"/>
-                <a:ea typeface="微軟正黑體" pitchFamily="34" charset="-120"/>
-              </a:rPr>
-              <a:t>原理</a:t>
+              <a:t>多高深星宿運行原理</a:t>
             </a:r>
             <a:endParaRPr lang="en-US" altLang="zh-TW" sz="5400" b="1" dirty="0">
               <a:solidFill>
@@ -3291,35 +3245,8 @@
                 <a:latin typeface="微軟正黑體" pitchFamily="34" charset="-120"/>
                 <a:ea typeface="微軟正黑體" pitchFamily="34" charset="-120"/>
               </a:rPr>
-              <a:t>神</a:t>
-            </a:r>
-            <a:r>
-              <a:rPr lang="zh-TW" altLang="en-US" sz="5400" b="1" dirty="0">
-                <a:solidFill>
-                  <a:srgbClr val="000066"/>
-                </a:solidFill>
-                <a:latin typeface="微軟正黑體" pitchFamily="34" charset="-120"/>
-                <a:ea typeface="微軟正黑體" pitchFamily="34" charset="-120"/>
-              </a:rPr>
-              <a:t>造物無限</a:t>
-            </a:r>
-            <a:r>
-              <a:rPr lang="zh-TW" altLang="en-US" sz="5400" b="1" dirty="0">
-                <a:solidFill>
-                  <a:srgbClr val="000066"/>
-                </a:solidFill>
-                <a:latin typeface="微軟正黑體" pitchFamily="34" charset="-120"/>
-                <a:ea typeface="微軟正黑體" pitchFamily="34" charset="-120"/>
-              </a:rPr>
-              <a:t>細膩</a:t>
-            </a:r>
-            <a:endParaRPr lang="zh-TW" altLang="en-US" sz="5400" b="1" dirty="0">
-              <a:solidFill>
-                <a:srgbClr val="000066"/>
-              </a:solidFill>
-              <a:latin typeface="微軟正黑體" pitchFamily="34" charset="-120"/>
-              <a:ea typeface="微軟正黑體" pitchFamily="34" charset="-120"/>
-            </a:endParaRPr>
+              <a:t>神造物無限細膩</a:t>
+            </a:r>
           </a:p>
         </p:txBody>
       </p:sp>
@@ -3333,6 +3260,13 @@
   <p:clrMapOvr>
     <a:masterClrMapping/>
   </p:clrMapOvr>
+  <p:timing>
+    <p:tnLst>
+      <p:par>
+        <p:cTn id="1" dur="indefinite" restart="never" nodeType="tmRoot"/>
+      </p:par>
+    </p:tnLst>
+  </p:timing>
 </p:sld>
 </file>
 
@@ -3416,17 +3350,7 @@
                 <a:latin typeface="微軟正黑體" pitchFamily="34" charset="-120"/>
                 <a:ea typeface="微軟正黑體" pitchFamily="34" charset="-120"/>
               </a:rPr>
-              <a:t>天天歌唱未怕迎</a:t>
-            </a:r>
-            <a:r>
-              <a:rPr lang="zh-TW" altLang="en-US" sz="5400" b="1" dirty="0">
-                <a:solidFill>
-                  <a:srgbClr val="000066"/>
-                </a:solidFill>
-                <a:latin typeface="微軟正黑體" pitchFamily="34" charset="-120"/>
-                <a:ea typeface="微軟正黑體" pitchFamily="34" charset="-120"/>
-              </a:rPr>
-              <a:t>狂風</a:t>
+              <a:t>天天歌唱未怕迎狂風</a:t>
             </a:r>
             <a:endParaRPr lang="en-US" altLang="zh-TW" sz="5400" b="1" dirty="0">
               <a:solidFill>
@@ -3448,27 +3372,7 @@
                 <a:latin typeface="微軟正黑體" pitchFamily="34" charset="-120"/>
                 <a:ea typeface="微軟正黑體" pitchFamily="34" charset="-120"/>
               </a:rPr>
-              <a:t>有</a:t>
-            </a:r>
-            <a:r>
-              <a:rPr lang="zh-TW" altLang="en-US" sz="5400" b="1" dirty="0">
-                <a:solidFill>
-                  <a:srgbClr val="000066"/>
-                </a:solidFill>
-                <a:latin typeface="微軟正黑體" pitchFamily="34" charset="-120"/>
-                <a:ea typeface="微軟正黑體" pitchFamily="34" charset="-120"/>
-              </a:rPr>
-              <a:t>你結伴每刻恩典</a:t>
-            </a:r>
-            <a:r>
-              <a:rPr lang="zh-TW" altLang="en-US" sz="5400" b="1" dirty="0">
-                <a:solidFill>
-                  <a:srgbClr val="000066"/>
-                </a:solidFill>
-                <a:latin typeface="微軟正黑體" pitchFamily="34" charset="-120"/>
-                <a:ea typeface="微軟正黑體" pitchFamily="34" charset="-120"/>
-              </a:rPr>
-              <a:t>夠用</a:t>
+              <a:t>有你結伴每刻恩典夠用</a:t>
             </a:r>
             <a:endParaRPr lang="en-US" altLang="zh-TW" sz="5400" b="1" dirty="0">
               <a:solidFill>
@@ -3490,27 +3394,7 @@
                 <a:latin typeface="微軟正黑體" pitchFamily="34" charset="-120"/>
                 <a:ea typeface="微軟正黑體" pitchFamily="34" charset="-120"/>
               </a:rPr>
-              <a:t>邁步</a:t>
-            </a:r>
-            <a:r>
-              <a:rPr lang="zh-TW" altLang="en-US" sz="5400" b="1" dirty="0">
-                <a:solidFill>
-                  <a:srgbClr val="000066"/>
-                </a:solidFill>
-                <a:latin typeface="微軟正黑體" pitchFamily="34" charset="-120"/>
-                <a:ea typeface="微軟正黑體" pitchFamily="34" charset="-120"/>
-              </a:rPr>
-              <a:t>浪裡</a:t>
-            </a:r>
-            <a:r>
-              <a:rPr lang="zh-TW" altLang="en-US" sz="5400" b="1" dirty="0">
-                <a:solidFill>
-                  <a:srgbClr val="000066"/>
-                </a:solidFill>
-                <a:latin typeface="微軟正黑體" pitchFamily="34" charset="-120"/>
-                <a:ea typeface="微軟正黑體" pitchFamily="34" charset="-120"/>
-              </a:rPr>
-              <a:t>衝</a:t>
+              <a:t>邁步浪裡衝</a:t>
             </a:r>
             <a:endParaRPr lang="en-US" altLang="zh-TW" sz="5400" b="1" dirty="0">
               <a:solidFill>
@@ -3532,17 +3416,7 @@
                 <a:latin typeface="微軟正黑體" pitchFamily="34" charset="-120"/>
                 <a:ea typeface="微軟正黑體" pitchFamily="34" charset="-120"/>
               </a:rPr>
-              <a:t>何妨澎湃洶湧  你</a:t>
-            </a:r>
-            <a:r>
-              <a:rPr lang="zh-TW" altLang="en-US" sz="5400" b="1" dirty="0">
-                <a:solidFill>
-                  <a:srgbClr val="000066"/>
-                </a:solidFill>
-                <a:latin typeface="微軟正黑體" pitchFamily="34" charset="-120"/>
-                <a:ea typeface="微軟正黑體" pitchFamily="34" charset="-120"/>
-              </a:rPr>
-              <a:t>護送</a:t>
+              <a:t>何妨澎湃洶湧  你護送</a:t>
             </a:r>
           </a:p>
         </p:txBody>
@@ -3557,6 +3431,13 @@
   <p:clrMapOvr>
     <a:masterClrMapping/>
   </p:clrMapOvr>
+  <p:timing>
+    <p:tnLst>
+      <p:par>
+        <p:cTn id="1" dur="indefinite" restart="never" nodeType="tmRoot"/>
+      </p:par>
+    </p:tnLst>
+  </p:timing>
 </p:sld>
 </file>
 
@@ -3645,37 +3526,7 @@
                 <a:latin typeface="微軟正黑體" pitchFamily="34" charset="-120"/>
                 <a:ea typeface="微軟正黑體" pitchFamily="34" charset="-120"/>
               </a:rPr>
-              <a:t>神</a:t>
-            </a:r>
-            <a:r>
-              <a:rPr lang="zh-TW" altLang="en-US" sz="5400" b="1" dirty="0">
-                <a:solidFill>
-                  <a:srgbClr val="000066"/>
-                </a:solidFill>
-                <a:latin typeface="微軟正黑體" pitchFamily="34" charset="-120"/>
-                <a:ea typeface="微軟正黑體" pitchFamily="34" charset="-120"/>
-              </a:rPr>
-              <a:t>呀  我</a:t>
-            </a:r>
-            <a:r>
-              <a:rPr lang="zh-TW" altLang="en-US" sz="5400" b="1" dirty="0">
-                <a:solidFill>
-                  <a:srgbClr val="000066"/>
-                </a:solidFill>
-                <a:latin typeface="微軟正黑體" pitchFamily="34" charset="-120"/>
-                <a:ea typeface="微軟正黑體" pitchFamily="34" charset="-120"/>
-              </a:rPr>
-              <a:t>感激恩手永不曾</a:t>
-            </a:r>
-            <a:r>
-              <a:rPr lang="zh-TW" altLang="en-US" sz="5400" b="1" dirty="0">
-                <a:solidFill>
-                  <a:srgbClr val="000066"/>
-                </a:solidFill>
-                <a:latin typeface="微軟正黑體" pitchFamily="34" charset="-120"/>
-                <a:ea typeface="微軟正黑體" pitchFamily="34" charset="-120"/>
-              </a:rPr>
-              <a:t>離開</a:t>
+              <a:t>神呀  我感激恩手永不曾離開</a:t>
             </a:r>
             <a:endParaRPr lang="en-US" altLang="zh-TW" sz="5400" b="1" dirty="0">
               <a:solidFill>
@@ -3697,27 +3548,7 @@
                 <a:latin typeface="微軟正黑體" pitchFamily="34" charset="-120"/>
                 <a:ea typeface="微軟正黑體" pitchFamily="34" charset="-120"/>
               </a:rPr>
-              <a:t>讚</a:t>
-            </a:r>
-            <a:r>
-              <a:rPr lang="zh-TW" altLang="en-US" sz="5400" b="1" dirty="0">
-                <a:solidFill>
-                  <a:srgbClr val="000066"/>
-                </a:solidFill>
-                <a:latin typeface="微軟正黑體" pitchFamily="34" charset="-120"/>
-                <a:ea typeface="微軟正黑體" pitchFamily="34" charset="-120"/>
-              </a:rPr>
-              <a:t>歎再造厚恩不可</a:t>
-            </a:r>
-            <a:r>
-              <a:rPr lang="zh-TW" altLang="en-US" sz="5400" b="1" dirty="0">
-                <a:solidFill>
-                  <a:srgbClr val="000066"/>
-                </a:solidFill>
-                <a:latin typeface="微軟正黑體" pitchFamily="34" charset="-120"/>
-                <a:ea typeface="微軟正黑體" pitchFamily="34" charset="-120"/>
-              </a:rPr>
-              <a:t>替代</a:t>
+              <a:t>讚歎再造厚恩不可替代</a:t>
             </a:r>
             <a:endParaRPr lang="en-US" altLang="zh-TW" sz="5400" b="1" dirty="0">
               <a:solidFill>
@@ -3739,27 +3570,7 @@
                 <a:latin typeface="微軟正黑體" pitchFamily="34" charset="-120"/>
                 <a:ea typeface="微軟正黑體" pitchFamily="34" charset="-120"/>
               </a:rPr>
-              <a:t>萬事</a:t>
-            </a:r>
-            <a:r>
-              <a:rPr lang="zh-TW" altLang="en-US" sz="5400" b="1" dirty="0">
-                <a:solidFill>
-                  <a:srgbClr val="000066"/>
-                </a:solidFill>
-                <a:latin typeface="微軟正黑體" pitchFamily="34" charset="-120"/>
-                <a:ea typeface="微軟正黑體" pitchFamily="34" charset="-120"/>
-              </a:rPr>
-              <a:t>盡</a:t>
-            </a:r>
-            <a:r>
-              <a:rPr lang="zh-TW" altLang="en-US" sz="5400" b="1" dirty="0">
-                <a:solidFill>
-                  <a:srgbClr val="000066"/>
-                </a:solidFill>
-                <a:latin typeface="微軟正黑體" pitchFamily="34" charset="-120"/>
-                <a:ea typeface="微軟正黑體" pitchFamily="34" charset="-120"/>
-              </a:rPr>
-              <a:t>放開</a:t>
+              <a:t>萬事盡放開</a:t>
             </a:r>
             <a:endParaRPr lang="en-US" altLang="zh-TW" sz="5400" b="1" dirty="0">
               <a:solidFill>
@@ -3781,37 +3592,7 @@
                 <a:latin typeface="微軟正黑體" pitchFamily="34" charset="-120"/>
                 <a:ea typeface="微軟正黑體" pitchFamily="34" charset="-120"/>
               </a:rPr>
-              <a:t>前程</a:t>
-            </a:r>
-            <a:r>
-              <a:rPr lang="zh-TW" altLang="en-US" sz="5400" b="1" dirty="0">
-                <a:solidFill>
-                  <a:srgbClr val="000066"/>
-                </a:solidFill>
-                <a:latin typeface="微軟正黑體" pitchFamily="34" charset="-120"/>
-                <a:ea typeface="微軟正黑體" pitchFamily="34" charset="-120"/>
-              </a:rPr>
-              <a:t>由你</a:t>
-            </a:r>
-            <a:r>
-              <a:rPr lang="zh-TW" altLang="en-US" sz="5400" b="1" dirty="0">
-                <a:solidFill>
-                  <a:srgbClr val="000066"/>
-                </a:solidFill>
-                <a:latin typeface="微軟正黑體" pitchFamily="34" charset="-120"/>
-                <a:ea typeface="微軟正黑體" pitchFamily="34" charset="-120"/>
-              </a:rPr>
-              <a:t>主宰  永</a:t>
-            </a:r>
-            <a:r>
-              <a:rPr lang="zh-TW" altLang="en-US" sz="5400" b="1" dirty="0">
-                <a:solidFill>
-                  <a:srgbClr val="000066"/>
-                </a:solidFill>
-                <a:latin typeface="微軟正黑體" pitchFamily="34" charset="-120"/>
-                <a:ea typeface="微軟正黑體" pitchFamily="34" charset="-120"/>
-              </a:rPr>
-              <a:t>沒變改</a:t>
+              <a:t>前程由你主宰  永沒變改</a:t>
             </a:r>
           </a:p>
         </p:txBody>
@@ -3826,6 +3607,13 @@
   <p:clrMapOvr>
     <a:masterClrMapping/>
   </p:clrMapOvr>
+  <p:timing>
+    <p:tnLst>
+      <p:par>
+        <p:cTn id="1" dur="indefinite" restart="never" nodeType="tmRoot"/>
+      </p:par>
+    </p:tnLst>
+  </p:timing>
 </p:sld>
 </file>
 
@@ -3914,37 +3702,7 @@
                 <a:latin typeface="微軟正黑體" pitchFamily="34" charset="-120"/>
                 <a:ea typeface="微軟正黑體" pitchFamily="34" charset="-120"/>
               </a:rPr>
-              <a:t>神</a:t>
-            </a:r>
-            <a:r>
-              <a:rPr lang="zh-TW" altLang="en-US" sz="5400" b="1" dirty="0">
-                <a:solidFill>
-                  <a:srgbClr val="000066"/>
-                </a:solidFill>
-                <a:latin typeface="微軟正黑體" pitchFamily="34" charset="-120"/>
-                <a:ea typeface="微軟正黑體" pitchFamily="34" charset="-120"/>
-              </a:rPr>
-              <a:t>呀  我</a:t>
-            </a:r>
-            <a:r>
-              <a:rPr lang="zh-TW" altLang="en-US" sz="5400" b="1" dirty="0">
-                <a:solidFill>
-                  <a:srgbClr val="000066"/>
-                </a:solidFill>
-                <a:latin typeface="微軟正黑體" pitchFamily="34" charset="-120"/>
-                <a:ea typeface="微軟正黑體" pitchFamily="34" charset="-120"/>
-              </a:rPr>
-              <a:t>感激恩手永不曾</a:t>
-            </a:r>
-            <a:r>
-              <a:rPr lang="zh-TW" altLang="en-US" sz="5400" b="1" dirty="0">
-                <a:solidFill>
-                  <a:srgbClr val="000066"/>
-                </a:solidFill>
-                <a:latin typeface="微軟正黑體" pitchFamily="34" charset="-120"/>
-                <a:ea typeface="微軟正黑體" pitchFamily="34" charset="-120"/>
-              </a:rPr>
-              <a:t>離開</a:t>
+              <a:t>神呀  我感激恩手永不曾離開</a:t>
             </a:r>
             <a:endParaRPr lang="en-US" altLang="zh-TW" sz="5400" b="1" dirty="0">
               <a:solidFill>
@@ -3966,27 +3724,7 @@
                 <a:latin typeface="微軟正黑體" pitchFamily="34" charset="-120"/>
                 <a:ea typeface="微軟正黑體" pitchFamily="34" charset="-120"/>
               </a:rPr>
-              <a:t>讚</a:t>
-            </a:r>
-            <a:r>
-              <a:rPr lang="zh-TW" altLang="en-US" sz="5400" b="1" dirty="0">
-                <a:solidFill>
-                  <a:srgbClr val="000066"/>
-                </a:solidFill>
-                <a:latin typeface="微軟正黑體" pitchFamily="34" charset="-120"/>
-                <a:ea typeface="微軟正黑體" pitchFamily="34" charset="-120"/>
-              </a:rPr>
-              <a:t>歎再造厚恩不可</a:t>
-            </a:r>
-            <a:r>
-              <a:rPr lang="zh-TW" altLang="en-US" sz="5400" b="1" dirty="0">
-                <a:solidFill>
-                  <a:srgbClr val="000066"/>
-                </a:solidFill>
-                <a:latin typeface="微軟正黑體" pitchFamily="34" charset="-120"/>
-                <a:ea typeface="微軟正黑體" pitchFamily="34" charset="-120"/>
-              </a:rPr>
-              <a:t>替代</a:t>
+              <a:t>讚歎再造厚恩不可替代</a:t>
             </a:r>
             <a:endParaRPr lang="en-US" altLang="zh-TW" sz="5400" b="1" dirty="0">
               <a:solidFill>
@@ -4008,27 +3746,7 @@
                 <a:latin typeface="微軟正黑體" pitchFamily="34" charset="-120"/>
                 <a:ea typeface="微軟正黑體" pitchFamily="34" charset="-120"/>
               </a:rPr>
-              <a:t>萬事</a:t>
-            </a:r>
-            <a:r>
-              <a:rPr lang="zh-TW" altLang="en-US" sz="5400" b="1" dirty="0">
-                <a:solidFill>
-                  <a:srgbClr val="000066"/>
-                </a:solidFill>
-                <a:latin typeface="微軟正黑體" pitchFamily="34" charset="-120"/>
-                <a:ea typeface="微軟正黑體" pitchFamily="34" charset="-120"/>
-              </a:rPr>
-              <a:t>盡</a:t>
-            </a:r>
-            <a:r>
-              <a:rPr lang="zh-TW" altLang="en-US" sz="5400" b="1" dirty="0">
-                <a:solidFill>
-                  <a:srgbClr val="000066"/>
-                </a:solidFill>
-                <a:latin typeface="微軟正黑體" pitchFamily="34" charset="-120"/>
-                <a:ea typeface="微軟正黑體" pitchFamily="34" charset="-120"/>
-              </a:rPr>
-              <a:t>放開</a:t>
+              <a:t>萬事盡放開</a:t>
             </a:r>
             <a:endParaRPr lang="en-US" altLang="zh-TW" sz="5400" b="1" dirty="0">
               <a:solidFill>
@@ -4050,37 +3768,7 @@
                 <a:latin typeface="微軟正黑體" pitchFamily="34" charset="-120"/>
                 <a:ea typeface="微軟正黑體" pitchFamily="34" charset="-120"/>
               </a:rPr>
-              <a:t>前程</a:t>
-            </a:r>
-            <a:r>
-              <a:rPr lang="zh-TW" altLang="en-US" sz="5400" b="1" dirty="0">
-                <a:solidFill>
-                  <a:srgbClr val="000066"/>
-                </a:solidFill>
-                <a:latin typeface="微軟正黑體" pitchFamily="34" charset="-120"/>
-                <a:ea typeface="微軟正黑體" pitchFamily="34" charset="-120"/>
-              </a:rPr>
-              <a:t>由你</a:t>
-            </a:r>
-            <a:r>
-              <a:rPr lang="zh-TW" altLang="en-US" sz="5400" b="1" dirty="0">
-                <a:solidFill>
-                  <a:srgbClr val="000066"/>
-                </a:solidFill>
-                <a:latin typeface="微軟正黑體" pitchFamily="34" charset="-120"/>
-                <a:ea typeface="微軟正黑體" pitchFamily="34" charset="-120"/>
-              </a:rPr>
-              <a:t>主宰  你</a:t>
-            </a:r>
-            <a:r>
-              <a:rPr lang="zh-TW" altLang="en-US" sz="5400" b="1" dirty="0">
-                <a:solidFill>
-                  <a:srgbClr val="000066"/>
-                </a:solidFill>
-                <a:latin typeface="微軟正黑體" pitchFamily="34" charset="-120"/>
-                <a:ea typeface="微軟正黑體" pitchFamily="34" charset="-120"/>
-              </a:rPr>
-              <a:t>是愛</a:t>
+              <a:t>前程由你主宰  你是愛</a:t>
             </a:r>
           </a:p>
         </p:txBody>
@@ -4095,6 +3783,13 @@
   <p:clrMapOvr>
     <a:masterClrMapping/>
   </p:clrMapOvr>
+  <p:timing>
+    <p:tnLst>
+      <p:par>
+        <p:cTn id="1" dur="indefinite" restart="never" nodeType="tmRoot"/>
+      </p:par>
+    </p:tnLst>
+  </p:timing>
 </p:sld>
 </file>
 
@@ -4183,37 +3878,7 @@
                 <a:latin typeface="Microsoft JhengHei" pitchFamily="34" charset="-120"/>
                 <a:ea typeface="Microsoft JhengHei" pitchFamily="34" charset="-120"/>
               </a:rPr>
-              <a:t>誰曾應</a:t>
-            </a:r>
-            <a:r>
-              <a:rPr lang="zh-TW" altLang="en-US" sz="5400" b="1" dirty="0">
-                <a:solidFill>
-                  <a:srgbClr val="C00000"/>
-                </a:solidFill>
-                <a:latin typeface="Microsoft JhengHei" pitchFamily="34" charset="-120"/>
-                <a:ea typeface="Microsoft JhengHei" pitchFamily="34" charset="-120"/>
-              </a:rPr>
-              <a:t>許   一</a:t>
-            </a:r>
-            <a:r>
-              <a:rPr lang="zh-TW" altLang="en-US" sz="5400" b="1" dirty="0">
-                <a:solidFill>
-                  <a:srgbClr val="C00000"/>
-                </a:solidFill>
-                <a:latin typeface="Microsoft JhengHei" pitchFamily="34" charset="-120"/>
-                <a:ea typeface="Microsoft JhengHei" pitchFamily="34" charset="-120"/>
-              </a:rPr>
-              <a:t>生不撇下</a:t>
-            </a:r>
-            <a:r>
-              <a:rPr lang="zh-TW" altLang="en-US" sz="5400" b="1" dirty="0">
-                <a:solidFill>
-                  <a:srgbClr val="C00000"/>
-                </a:solidFill>
-                <a:latin typeface="Microsoft JhengHei" pitchFamily="34" charset="-120"/>
-                <a:ea typeface="Microsoft JhengHei" pitchFamily="34" charset="-120"/>
-              </a:rPr>
-              <a:t>我</a:t>
+              <a:t>誰曾應許   一生不撇下我</a:t>
             </a:r>
             <a:endParaRPr lang="en-US" altLang="zh-TW" sz="5400" b="1" dirty="0">
               <a:solidFill>
@@ -4235,47 +3900,7 @@
                 <a:latin typeface="Microsoft JhengHei" pitchFamily="34" charset="-120"/>
                 <a:ea typeface="Microsoft JhengHei" pitchFamily="34" charset="-120"/>
               </a:rPr>
-              <a:t>每</a:t>
-            </a:r>
-            <a:r>
-              <a:rPr lang="zh-TW" altLang="en-US" sz="5400" b="1" dirty="0">
-                <a:solidFill>
-                  <a:srgbClr val="C00000"/>
-                </a:solidFill>
-                <a:latin typeface="Microsoft JhengHei" pitchFamily="34" charset="-120"/>
-                <a:ea typeface="Microsoft JhengHei" pitchFamily="34" charset="-120"/>
-              </a:rPr>
-              <a:t>段</a:t>
-            </a:r>
-            <a:r>
-              <a:rPr lang="zh-TW" altLang="en-US" sz="5400" b="1" dirty="0">
-                <a:solidFill>
-                  <a:srgbClr val="C00000"/>
-                </a:solidFill>
-                <a:latin typeface="Microsoft JhengHei" pitchFamily="34" charset="-120"/>
-                <a:ea typeface="Microsoft JhengHei" pitchFamily="34" charset="-120"/>
-              </a:rPr>
-              <a:t>窄路   誰</a:t>
-            </a:r>
-            <a:r>
-              <a:rPr lang="zh-TW" altLang="en-US" sz="5400" b="1" dirty="0">
-                <a:solidFill>
-                  <a:srgbClr val="C00000"/>
-                </a:solidFill>
-                <a:latin typeface="Microsoft JhengHei" pitchFamily="34" charset="-120"/>
-                <a:ea typeface="Microsoft JhengHei" pitchFamily="34" charset="-120"/>
-              </a:rPr>
-              <a:t>陪我去走</a:t>
-            </a:r>
-            <a:r>
-              <a:rPr lang="zh-TW" altLang="en-US" sz="5400" b="1" dirty="0">
-                <a:solidFill>
-                  <a:srgbClr val="C00000"/>
-                </a:solidFill>
-                <a:latin typeface="Microsoft JhengHei" pitchFamily="34" charset="-120"/>
-                <a:ea typeface="Microsoft JhengHei" pitchFamily="34" charset="-120"/>
-              </a:rPr>
-              <a:t>過</a:t>
+              <a:t>每段窄路   誰陪我去走過</a:t>
             </a:r>
             <a:endParaRPr lang="en-US" altLang="zh-TW" sz="5400" b="1" dirty="0">
               <a:solidFill>
@@ -4297,47 +3922,7 @@
                 <a:latin typeface="Microsoft JhengHei" pitchFamily="34" charset="-120"/>
                 <a:ea typeface="Microsoft JhengHei" pitchFamily="34" charset="-120"/>
               </a:rPr>
-              <a:t>誰</a:t>
-            </a:r>
-            <a:r>
-              <a:rPr lang="zh-TW" altLang="en-US" sz="5400" b="1" dirty="0">
-                <a:solidFill>
-                  <a:srgbClr val="C00000"/>
-                </a:solidFill>
-                <a:latin typeface="Microsoft JhengHei" pitchFamily="34" charset="-120"/>
-                <a:ea typeface="Microsoft JhengHei" pitchFamily="34" charset="-120"/>
-              </a:rPr>
-              <a:t>還領</a:t>
-            </a:r>
-            <a:r>
-              <a:rPr lang="zh-TW" altLang="en-US" sz="5400" b="1" dirty="0">
-                <a:solidFill>
-                  <a:srgbClr val="C00000"/>
-                </a:solidFill>
-                <a:latin typeface="Microsoft JhengHei" pitchFamily="34" charset="-120"/>
-                <a:ea typeface="Microsoft JhengHei" pitchFamily="34" charset="-120"/>
-              </a:rPr>
-              <a:t>我   於</a:t>
-            </a:r>
-            <a:r>
-              <a:rPr lang="zh-TW" altLang="en-US" sz="5400" b="1" dirty="0">
-                <a:solidFill>
-                  <a:srgbClr val="C00000"/>
-                </a:solidFill>
-                <a:latin typeface="Microsoft JhengHei" pitchFamily="34" charset="-120"/>
-                <a:ea typeface="Microsoft JhengHei" pitchFamily="34" charset="-120"/>
-              </a:rPr>
-              <a:t>青草恬靜處躺</a:t>
-            </a:r>
-            <a:r>
-              <a:rPr lang="zh-TW" altLang="en-US" sz="5400" b="1" dirty="0">
-                <a:solidFill>
-                  <a:srgbClr val="C00000"/>
-                </a:solidFill>
-                <a:latin typeface="Microsoft JhengHei" pitchFamily="34" charset="-120"/>
-                <a:ea typeface="Microsoft JhengHei" pitchFamily="34" charset="-120"/>
-              </a:rPr>
-              <a:t>臥</a:t>
+              <a:t>誰還領我   於青草恬靜處躺臥</a:t>
             </a:r>
             <a:endParaRPr lang="en-US" altLang="zh-TW" sz="5400" b="1" dirty="0">
               <a:solidFill>
@@ -4359,27 +3944,7 @@
                 <a:latin typeface="Microsoft JhengHei" pitchFamily="34" charset="-120"/>
                 <a:ea typeface="Microsoft JhengHei" pitchFamily="34" charset="-120"/>
               </a:rPr>
-              <a:t>豐</a:t>
-            </a:r>
-            <a:r>
-              <a:rPr lang="zh-TW" altLang="en-US" sz="5400" b="1" dirty="0">
-                <a:solidFill>
-                  <a:srgbClr val="C00000"/>
-                </a:solidFill>
-                <a:latin typeface="Microsoft JhengHei" pitchFamily="34" charset="-120"/>
-                <a:ea typeface="Microsoft JhengHei" pitchFamily="34" charset="-120"/>
-              </a:rPr>
-              <a:t>足恩惠比海沙更</a:t>
-            </a:r>
-            <a:r>
-              <a:rPr lang="zh-TW" altLang="en-US" sz="5400" b="1" dirty="0">
-                <a:solidFill>
-                  <a:srgbClr val="C00000"/>
-                </a:solidFill>
-                <a:latin typeface="Microsoft JhengHei" pitchFamily="34" charset="-120"/>
-                <a:ea typeface="Microsoft JhengHei" pitchFamily="34" charset="-120"/>
-              </a:rPr>
-              <a:t>多</a:t>
+              <a:t>豐足恩惠比海沙更多</a:t>
             </a:r>
             <a:endParaRPr lang="en-US" sz="5400" b="1" dirty="0">
               <a:solidFill>
@@ -4401,6 +3966,13 @@
   <p:clrMapOvr>
     <a:masterClrMapping/>
   </p:clrMapOvr>
+  <p:timing>
+    <p:tnLst>
+      <p:par>
+        <p:cTn id="1" dur="indefinite" restart="never" nodeType="tmRoot"/>
+      </p:par>
+    </p:tnLst>
+  </p:timing>
 </p:sld>
 </file>
 
@@ -4577,6 +4149,13 @@
   <p:clrMapOvr>
     <a:masterClrMapping/>
   </p:clrMapOvr>
+  <p:timing>
+    <p:tnLst>
+      <p:par>
+        <p:cTn id="1" dur="indefinite" restart="never" nodeType="tmRoot"/>
+      </p:par>
+    </p:tnLst>
+  </p:timing>
 </p:sld>
 </file>
 
@@ -4731,6 +4310,13 @@
   <p:clrMapOvr>
     <a:masterClrMapping/>
   </p:clrMapOvr>
+  <p:timing>
+    <p:tnLst>
+      <p:par>
+        <p:cTn id="1" dur="indefinite" restart="never" nodeType="tmRoot"/>
+      </p:par>
+    </p:tnLst>
+  </p:timing>
 </p:sld>
 </file>
 
@@ -4907,138 +4493,13 @@
   <p:clrMapOvr>
     <a:masterClrMapping/>
   </p:clrMapOvr>
-</p:sld>
-</file>
-
-<file path=ppt/slides/slide9.xml><?xml version="1.0" encoding="utf-8"?>
-<p:sld xmlns:a="http://schemas.openxmlformats.org/drawingml/2006/main" xmlns:r="http://schemas.openxmlformats.org/officeDocument/2006/relationships" xmlns:p="http://schemas.openxmlformats.org/presentationml/2006/main">
-  <p:cSld>
-    <p:spTree>
-      <p:nvGrpSpPr>
-        <p:cNvPr id="1" name=""/>
-        <p:cNvGrpSpPr/>
-        <p:nvPr/>
-      </p:nvGrpSpPr>
-      <p:grpSpPr>
-        <a:xfrm>
-          <a:off x="0" y="0"/>
-          <a:ext cx="0" cy="0"/>
-          <a:chOff x="0" y="0"/>
-          <a:chExt cx="0" cy="0"/>
-        </a:xfrm>
-      </p:grpSpPr>
-      <p:sp>
-        <p:nvSpPr>
-          <p:cNvPr id="2" name="Title 1"/>
-          <p:cNvSpPr>
-            <a:spLocks noGrp="1"/>
-          </p:cNvSpPr>
-          <p:nvPr>
-            <p:ph type="title"/>
-          </p:nvPr>
-        </p:nvSpPr>
-        <p:spPr/>
-        <p:txBody>
-          <a:bodyPr/>
-          <a:lstStyle/>
-          <a:p>
-            <a:r>
-              <a:rPr lang="zh-CN" altLang="en-US" b="1" dirty="0">
-                <a:solidFill>
-                  <a:srgbClr val="C00000"/>
-                </a:solidFill>
-                <a:latin typeface="Microsoft JhengHei" pitchFamily="34" charset="-120"/>
-                <a:ea typeface="Microsoft JhengHei" pitchFamily="34" charset="-120"/>
-              </a:rPr>
-              <a:t>誰曾應許</a:t>
-            </a:r>
-            <a:endParaRPr lang="en-US" b="1" dirty="0">
-              <a:solidFill>
-                <a:srgbClr val="C00000"/>
-              </a:solidFill>
-              <a:latin typeface="Microsoft JhengHei" pitchFamily="34" charset="-120"/>
-              <a:ea typeface="Microsoft JhengHei" pitchFamily="34" charset="-120"/>
-            </a:endParaRPr>
-          </a:p>
-        </p:txBody>
-      </p:sp>
-      <p:sp>
-        <p:nvSpPr>
-          <p:cNvPr id="3" name="Content Placeholder 2"/>
-          <p:cNvSpPr>
-            <a:spLocks noGrp="1"/>
-          </p:cNvSpPr>
-          <p:nvPr>
-            <p:ph idx="1"/>
-          </p:nvPr>
-        </p:nvSpPr>
-        <p:spPr>
-          <a:xfrm>
-            <a:off x="1524000" y="1600201"/>
-            <a:ext cx="9144000" cy="4525963"/>
-          </a:xfrm>
-        </p:spPr>
-        <p:txBody>
-          <a:bodyPr>
-            <a:noAutofit/>
-          </a:bodyPr>
-          <a:lstStyle/>
-          <a:p>
-            <a:pPr marL="0" indent="0" algn="ctr">
-              <a:buNone/>
-            </a:pPr>
-            <a:r>
-              <a:rPr lang="zh-TW" altLang="en-US" sz="5400" b="1" dirty="0">
-                <a:solidFill>
-                  <a:srgbClr val="C00000"/>
-                </a:solidFill>
-                <a:latin typeface="Microsoft JhengHei" pitchFamily="34" charset="-120"/>
-                <a:ea typeface="Microsoft JhengHei" pitchFamily="34" charset="-120"/>
-              </a:rPr>
-              <a:t>我究竟算甚麼</a:t>
-            </a:r>
-            <a:endParaRPr lang="en-US" altLang="zh-TW" sz="5400" b="1" dirty="0">
-              <a:solidFill>
-                <a:srgbClr val="C00000"/>
-              </a:solidFill>
-              <a:latin typeface="Microsoft JhengHei" pitchFamily="34" charset="-120"/>
-              <a:ea typeface="Microsoft JhengHei" pitchFamily="34" charset="-120"/>
-            </a:endParaRPr>
-          </a:p>
-          <a:p>
-            <a:pPr marL="0" indent="0" algn="ctr">
-              <a:buNone/>
-            </a:pPr>
-            <a:r>
-              <a:rPr lang="zh-TW" altLang="en-US" sz="5400" b="1" dirty="0">
-                <a:solidFill>
-                  <a:srgbClr val="C00000"/>
-                </a:solidFill>
-                <a:latin typeface="Microsoft JhengHei" pitchFamily="34" charset="-120"/>
-                <a:ea typeface="Microsoft JhengHei" pitchFamily="34" charset="-120"/>
-              </a:rPr>
-              <a:t>神你竟這般顧念我</a:t>
-            </a:r>
-            <a:endParaRPr lang="en-US" sz="5400" b="1" dirty="0">
-              <a:solidFill>
-                <a:srgbClr val="C00000"/>
-              </a:solidFill>
-              <a:latin typeface="Microsoft JhengHei" pitchFamily="34" charset="-120"/>
-              <a:ea typeface="Microsoft JhengHei" pitchFamily="34" charset="-120"/>
-            </a:endParaRPr>
-          </a:p>
-        </p:txBody>
-      </p:sp>
-    </p:spTree>
-    <p:extLst>
-      <p:ext uri="{BB962C8B-B14F-4D97-AF65-F5344CB8AC3E}">
-        <p14:creationId xmlns:p14="http://schemas.microsoft.com/office/powerpoint/2010/main" val="2640310792"/>
-      </p:ext>
-    </p:extLst>
-  </p:cSld>
-  <p:clrMapOvr>
-    <a:masterClrMapping/>
-  </p:clrMapOvr>
+  <p:timing>
+    <p:tnLst>
+      <p:par>
+        <p:cTn id="1" dur="indefinite" restart="never" nodeType="tmRoot"/>
+      </p:par>
+    </p:tnLst>
+  </p:timing>
 </p:sld>
 </file>
 
